--- a/Чат-бот в telegram.pptx
+++ b/Чат-бот в telegram.pptx
@@ -8,6 +8,7 @@
     <p:sldId id="256" r:id="rId2"/>
     <p:sldId id="257" r:id="rId3"/>
     <p:sldId id="258" r:id="rId4"/>
+    <p:sldId id="259" r:id="rId5"/>
   </p:sldIdLst>
   <p:sldSz cx="12192000" cy="6858000"/>
   <p:notesSz cx="6858000" cy="9144000"/>
@@ -106,6 +107,11 @@
       </a:defRPr>
     </a:lvl9pPr>
   </p:defaultTextStyle>
+  <p:extLst>
+    <p:ext uri="{EFAFB233-063F-42B5-8137-9DF3F51BA10A}">
+      <p15:sldGuideLst xmlns:p15="http://schemas.microsoft.com/office/powerpoint/2012/main"/>
+    </p:ext>
+  </p:extLst>
 </p:presentation>
 </file>
 
@@ -7837,14 +7843,19 @@
             <p:ph type="title"/>
           </p:nvPr>
         </p:nvSpPr>
-        <p:spPr/>
+        <p:spPr>
+          <a:xfrm>
+            <a:off x="680321" y="753227"/>
+            <a:ext cx="9613861" cy="1208737"/>
+          </a:xfrm>
+        </p:spPr>
         <p:txBody>
           <a:bodyPr/>
           <a:lstStyle/>
           <a:p>
             <a:r>
               <a:rPr lang="ru-RU" dirty="0" smtClean="0"/>
-              <a:t>Цель</a:t>
+              <a:t>Цель и способ</a:t>
             </a:r>
             <a:endParaRPr lang="ru-RU" dirty="0"/>
           </a:p>
@@ -7862,17 +7873,42 @@
         </p:nvSpPr>
         <p:spPr>
           <a:xfrm>
-            <a:off x="680321" y="2336873"/>
-            <a:ext cx="9613861" cy="903477"/>
-          </a:xfrm>
-        </p:spPr>
-        <p:txBody>
-          <a:bodyPr/>
+            <a:off x="680321" y="1961965"/>
+            <a:ext cx="9613861" cy="1774594"/>
+          </a:xfrm>
+        </p:spPr>
+        <p:txBody>
+          <a:bodyPr>
+            <a:normAutofit/>
+          </a:bodyPr>
           <a:lstStyle/>
           <a:p>
             <a:r>
               <a:rPr lang="ru-RU" dirty="0" smtClean="0"/>
-              <a:t>Создание бота для помощи людям найти для себя подходящую игру. Для этого в боте представлен рейтинг игр с 2007-2014 г.</a:t>
+              <a:t>Для создания чат-бота я использовал библиотеку </a:t>
+            </a:r>
+            <a:r>
+              <a:rPr lang="en-US" dirty="0" err="1" smtClean="0"/>
+              <a:t>telebot</a:t>
+            </a:r>
+            <a:r>
+              <a:rPr lang="ru-RU" dirty="0" smtClean="0"/>
+              <a:t> и базу данных </a:t>
+            </a:r>
+            <a:r>
+              <a:rPr lang="en-US" dirty="0" smtClean="0"/>
+              <a:t>sqlite3</a:t>
+            </a:r>
+            <a:endParaRPr lang="ru-RU" dirty="0" smtClean="0"/>
+          </a:p>
+          <a:p>
+            <a:r>
+              <a:rPr lang="ru-RU" dirty="0" smtClean="0"/>
+              <a:t>Создание </a:t>
+            </a:r>
+            <a:r>
+              <a:rPr lang="ru-RU" dirty="0" smtClean="0"/>
+              <a:t>бота для помощи людям найти для себя подходящую игру. Для этого в боте представлен рейтинг игр с 2007-2014 г.</a:t>
             </a:r>
           </a:p>
         </p:txBody>
@@ -7899,8 +7935,8 @@
         </p:blipFill>
         <p:spPr>
           <a:xfrm>
-            <a:off x="1535836" y="3468484"/>
-            <a:ext cx="4826712" cy="3389516"/>
+            <a:off x="7747029" y="3736558"/>
+            <a:ext cx="4444971" cy="3121442"/>
           </a:xfrm>
           <a:prstGeom prst="rect">
             <a:avLst/>
@@ -7982,16 +8018,151 @@
           <a:p>
             <a:r>
               <a:rPr lang="ru-RU" dirty="0" smtClean="0"/>
-              <a:t>Как я говорил выше, он может предоставить рейтинг игр по годам. Также в нём присутствует поверхностное описание каждой игры в топе. Всего 41 игры.</a:t>
+              <a:t>Как я говорил выше, он может предоставить рейтинг игр по годам. Также в нём присутствует поверхностное описание каждой игры в топе. Всего 41 игры</a:t>
+            </a:r>
+            <a:r>
+              <a:rPr lang="ru-RU" dirty="0" smtClean="0"/>
+              <a:t>.</a:t>
+            </a:r>
+            <a:r>
+              <a:rPr lang="en-US" dirty="0" smtClean="0"/>
+              <a:t> </a:t>
+            </a:r>
+            <a:r>
+              <a:rPr lang="ru-RU" dirty="0" smtClean="0"/>
+              <a:t>Это не окончательный список игр. В дальнейше</a:t>
+            </a:r>
+            <a:r>
+              <a:rPr lang="ru-RU" dirty="0" smtClean="0"/>
+              <a:t>м я хочу добавить рейтинг с 2000 по 2021. А также </a:t>
+            </a:r>
+            <a:r>
+              <a:rPr lang="ru-RU" dirty="0"/>
+              <a:t>б</a:t>
+            </a:r>
+            <a:r>
+              <a:rPr lang="ru-RU" dirty="0" smtClean="0"/>
+              <a:t>олее подробно рассказать о каждой игре и упомянуть не такие популярные проекты.</a:t>
             </a:r>
             <a:endParaRPr lang="ru-RU" dirty="0"/>
           </a:p>
         </p:txBody>
       </p:sp>
+      <p:pic>
+        <p:nvPicPr>
+          <p:cNvPr id="4" name="Рисунок 3"/>
+          <p:cNvPicPr>
+            <a:picLocks noChangeAspect="1"/>
+          </p:cNvPicPr>
+          <p:nvPr/>
+        </p:nvPicPr>
+        <p:blipFill>
+          <a:blip r:embed="rId2" cstate="print">
+            <a:extLst>
+              <a:ext uri="{28A0092B-C50C-407E-A947-70E740481C1C}">
+                <a14:useLocalDpi xmlns:a14="http://schemas.microsoft.com/office/drawing/2010/main" val="0"/>
+              </a:ext>
+            </a:extLst>
+          </a:blip>
+          <a:stretch>
+            <a:fillRect/>
+          </a:stretch>
+        </p:blipFill>
+        <p:spPr>
+          <a:xfrm>
+            <a:off x="9898602" y="2005853"/>
+            <a:ext cx="2293398" cy="4852147"/>
+          </a:xfrm>
+          <a:prstGeom prst="rect">
+            <a:avLst/>
+          </a:prstGeom>
+        </p:spPr>
+      </p:pic>
     </p:spTree>
     <p:extLst>
       <p:ext uri="{BB962C8B-B14F-4D97-AF65-F5344CB8AC3E}">
         <p14:creationId xmlns:p14="http://schemas.microsoft.com/office/powerpoint/2010/main" val="1174430533"/>
+      </p:ext>
+    </p:extLst>
+  </p:cSld>
+  <p:clrMapOvr>
+    <a:masterClrMapping/>
+  </p:clrMapOvr>
+</p:sld>
+</file>
+
+<file path=ppt/slides/slide4.xml><?xml version="1.0" encoding="utf-8"?>
+<p:sld xmlns:a="http://schemas.openxmlformats.org/drawingml/2006/main" xmlns:r="http://schemas.openxmlformats.org/officeDocument/2006/relationships" xmlns:p="http://schemas.openxmlformats.org/presentationml/2006/main">
+  <p:cSld>
+    <p:spTree>
+      <p:nvGrpSpPr>
+        <p:cNvPr id="1" name=""/>
+        <p:cNvGrpSpPr/>
+        <p:nvPr/>
+      </p:nvGrpSpPr>
+      <p:grpSpPr>
+        <a:xfrm>
+          <a:off x="0" y="0"/>
+          <a:ext cx="0" cy="0"/>
+          <a:chOff x="0" y="0"/>
+          <a:chExt cx="0" cy="0"/>
+        </a:xfrm>
+      </p:grpSpPr>
+      <p:sp>
+        <p:nvSpPr>
+          <p:cNvPr id="2" name="Заголовок 1"/>
+          <p:cNvSpPr>
+            <a:spLocks noGrp="1"/>
+          </p:cNvSpPr>
+          <p:nvPr>
+            <p:ph type="title"/>
+          </p:nvPr>
+        </p:nvSpPr>
+        <p:spPr/>
+        <p:txBody>
+          <a:bodyPr/>
+          <a:lstStyle/>
+          <a:p>
+            <a:r>
+              <a:rPr lang="ru-RU" dirty="0" smtClean="0"/>
+              <a:t>Вывод</a:t>
+            </a:r>
+            <a:endParaRPr lang="ru-RU" dirty="0"/>
+          </a:p>
+        </p:txBody>
+      </p:sp>
+      <p:sp>
+        <p:nvSpPr>
+          <p:cNvPr id="3" name="Объект 2"/>
+          <p:cNvSpPr>
+            <a:spLocks noGrp="1"/>
+          </p:cNvSpPr>
+          <p:nvPr>
+            <p:ph idx="1"/>
+          </p:nvPr>
+        </p:nvSpPr>
+        <p:spPr>
+          <a:xfrm>
+            <a:off x="680321" y="2336873"/>
+            <a:ext cx="9613861" cy="2279515"/>
+          </a:xfrm>
+        </p:spPr>
+        <p:txBody>
+          <a:bodyPr/>
+          <a:lstStyle/>
+          <a:p>
+            <a:r>
+              <a:rPr lang="ru-RU" dirty="0" smtClean="0"/>
+              <a:t>Данный проект может частично помочь выбрать игру, которая тебе нравится. Также можно узнать чуть больше об игре, если ты раньше видел её название, но не знал даже примерно о чём она. Пока что бот не может полноценно функционировать из-за маленькой библиотеки игр, а также отсутствия функции сортировки по жанрам.</a:t>
+            </a:r>
+            <a:endParaRPr lang="ru-RU" dirty="0"/>
+          </a:p>
+        </p:txBody>
+      </p:sp>
+    </p:spTree>
+    <p:extLst>
+      <p:ext uri="{BB962C8B-B14F-4D97-AF65-F5344CB8AC3E}">
+        <p14:creationId xmlns:p14="http://schemas.microsoft.com/office/powerpoint/2010/main" val="2222930089"/>
       </p:ext>
     </p:extLst>
   </p:cSld>
